--- a/LectureFiles/cshl/2017/RNASeq_Module1_Lecture.pptx
+++ b/LectureFiles/cshl/2017/RNASeq_Module1_Lecture.pptx
@@ -168,7 +168,7 @@
   </p:defaultTextStyle>
   <p:extLst>
     <p:ext uri="{EFAFB233-063F-42B5-8137-9DF3F51BA10A}">
-      <p15:sldGuideLst xmlns="" xmlns:p15="http://schemas.microsoft.com/office/powerpoint/2012/main">
+      <p15:sldGuideLst xmlns:p15="http://schemas.microsoft.com/office/powerpoint/2012/main" xmlns="">
         <p15:guide id="1" orient="horz" pos="2160">
           <p15:clr>
             <a:srgbClr val="A4A3A4"/>
@@ -4157,13 +4157,23 @@
             </a:r>
             <a:r>
               <a:rPr lang="en-US" dirty="0" smtClean="0"/>
-              <a:t>representation of transcript species. Since the oligonucleotide probes used in these kits are only designed to bind to and deplete rRNA sequences, a</a:t>
-            </a:r>
-          </a:p>
-          <a:p>
+              <a:t>representation of transcript species. Since the oligonucleotide probes used in these kits are only designed to bind to and deplete rRNA sequences, </a:t>
+            </a:r>
             <a:r>
               <a:rPr lang="en-US" dirty="0" smtClean="0"/>
-              <a:t>significant amount of unprocessed RNA and </a:t>
+              <a:t>a</a:t>
+            </a:r>
+            <a:r>
+              <a:rPr lang="en-US" baseline="0" dirty="0" smtClean="0"/>
+              <a:t> </a:t>
+            </a:r>
+            <a:r>
+              <a:rPr lang="en-US" dirty="0" smtClean="0"/>
+              <a:t>significant </a:t>
+            </a:r>
+            <a:r>
+              <a:rPr lang="en-US" dirty="0" smtClean="0"/>
+              <a:t>amount of unprocessed RNA and </a:t>
             </a:r>
             <a:r>
               <a:rPr lang="en-US" dirty="0" err="1" smtClean="0"/>
@@ -4399,13 +4409,11 @@
             </a:r>
             <a:r>
               <a:rPr lang="en-US" dirty="0" smtClean="0"/>
-              <a:t>In panel A, a gene transcribed on the positive strand is shown in green, a second gene transcribed on the negative strand is shown in brown, and a third gene</a:t>
-            </a:r>
-          </a:p>
-          <a:p>
+              <a:t>In panel A, a gene transcribed on the positive strand is shown in green, a second gene transcribed on the negative strand is shown in brown, and a third </a:t>
+            </a:r>
             <a:r>
               <a:rPr lang="en-US" dirty="0" smtClean="0"/>
-              <a:t>transcribed on the positive strand (partially overlapping the second gene) is shown in yellow. The first two genes are protein coding with the open reading frame (ORF) portion depicted as thick rectangles and the UTRs depicted as thin rectangles. The third gene is a noncoding RNA gene. Aligned paired-end</a:t>
+              <a:t>gene</a:t>
             </a:r>
             <a:r>
               <a:rPr lang="en-US" baseline="0" dirty="0" smtClean="0"/>
@@ -4413,7 +4421,11 @@
             </a:r>
             <a:r>
               <a:rPr lang="en-US" dirty="0" smtClean="0"/>
-              <a:t>read sequences (read 1 and read 2) are depicted as short colored bars connected by thin lines. The thin connecting line in each read pair depicts the portion</a:t>
+              <a:t>transcribed </a:t>
+            </a:r>
+            <a:r>
+              <a:rPr lang="en-US" dirty="0" smtClean="0"/>
+              <a:t>on the positive strand (partially overlapping the second gene) is shown in yellow. The first two genes are protein coding with the open reading frame (ORF) portion depicted as thick rectangles and the UTRs depicted as thin rectangles. The third gene is a noncoding RNA gene. Aligned paired-end</a:t>
             </a:r>
             <a:r>
               <a:rPr lang="en-US" baseline="0" dirty="0" smtClean="0"/>
@@ -4421,6 +4433,14 @@
             </a:r>
             <a:r>
               <a:rPr lang="en-US" dirty="0" smtClean="0"/>
+              <a:t>read sequences (read 1 and read 2) are depicted as short colored bars connected by thin lines. The thin connecting line in each read pair depicts the portion</a:t>
+            </a:r>
+            <a:r>
+              <a:rPr lang="en-US" baseline="0" dirty="0" smtClean="0"/>
+              <a:t> </a:t>
+            </a:r>
+            <a:r>
+              <a:rPr lang="en-US" dirty="0" smtClean="0"/>
               <a:t>of the cDNA fragment that remains </a:t>
             </a:r>
             <a:r>
@@ -4557,23 +4577,15 @@
             </a:r>
             <a:r>
               <a:rPr lang="en-US" dirty="0" smtClean="0"/>
-              <a:t>IGV color read alignments according to strand, use the “Color alignments” by “First-of-pair strand” setting (refer to S5 Table for more strand-</a:t>
-            </a:r>
-            <a:r>
-              <a:rPr lang="en-US" smtClean="0"/>
-              <a:t>related software</a:t>
-            </a:r>
-            <a:r>
-              <a:rPr lang="en-US" baseline="0" smtClean="0"/>
+              <a:t>IGV color read alignments according to strand, use the “Color alignments” by “First-of-pair strand” setting (refer to S5 Table for more strand-related software</a:t>
+            </a:r>
+            <a:r>
+              <a:rPr lang="en-US" baseline="0" dirty="0" smtClean="0"/>
               <a:t> </a:t>
             </a:r>
             <a:r>
-              <a:rPr lang="en-US" smtClean="0"/>
-              <a:t>settings</a:t>
-            </a:r>
-            <a:r>
               <a:rPr lang="en-US" dirty="0" smtClean="0"/>
-              <a:t>).</a:t>
+              <a:t>settings).</a:t>
             </a:r>
             <a:endParaRPr lang="en-US" dirty="0"/>
           </a:p>
@@ -7663,6 +7675,13 @@
   <p:clrMapOvr>
     <a:masterClrMapping/>
   </p:clrMapOvr>
+  <p:timing>
+    <p:tnLst>
+      <p:par>
+        <p:cTn xmlns:p14="http://schemas.microsoft.com/office/powerpoint/2010/main" id="1" dur="indefinite" restart="never" nodeType="tmRoot"/>
+      </p:par>
+    </p:tnLst>
+  </p:timing>
 </p:sld>
 </file>
 
@@ -9037,6 +9056,13 @@
   <p:clrMapOvr>
     <a:masterClrMapping/>
   </p:clrMapOvr>
+  <p:timing>
+    <p:tnLst>
+      <p:par>
+        <p:cTn xmlns:p14="http://schemas.microsoft.com/office/powerpoint/2010/main" id="1" dur="indefinite" restart="never" nodeType="tmRoot"/>
+      </p:par>
+    </p:tnLst>
+  </p:timing>
 </p:sld>
 </file>
 
@@ -12255,6 +12281,13 @@
   <p:clrMapOvr>
     <a:masterClrMapping/>
   </p:clrMapOvr>
+  <p:timing>
+    <p:tnLst>
+      <p:par>
+        <p:cTn xmlns:p14="http://schemas.microsoft.com/office/powerpoint/2010/main" id="1" dur="indefinite" restart="never" nodeType="tmRoot"/>
+      </p:par>
+    </p:tnLst>
+  </p:timing>
 </p:sld>
 </file>
 
@@ -12571,14 +12604,14 @@
       </p:sp>
       <p:pic>
         <p:nvPicPr>
-          <p:cNvPr id="2" name="Picture 1" descr="Figure2.png"/>
+          <p:cNvPr id="3" name="Picture 2" descr="Fig2.png"/>
           <p:cNvPicPr>
             <a:picLocks noChangeAspect="1"/>
           </p:cNvPicPr>
           <p:nvPr/>
         </p:nvPicPr>
         <p:blipFill>
-          <a:blip r:embed="rId3" cstate="print">
+          <a:blip r:embed="rId3">
             <a:extLst>
               <a:ext uri="{28A0092B-C50C-407E-A947-70E740481C1C}">
                 <a14:useLocalDpi xmlns:a14="http://schemas.microsoft.com/office/drawing/2010/main" val="0"/>
@@ -12591,8 +12624,8 @@
         </p:blipFill>
         <p:spPr>
           <a:xfrm>
-            <a:off x="323528" y="1196752"/>
-            <a:ext cx="8136904" cy="4766371"/>
+            <a:off x="395536" y="1124744"/>
+            <a:ext cx="8300547" cy="4824536"/>
           </a:xfrm>
           <a:prstGeom prst="rect">
             <a:avLst/>

--- a/LectureFiles/cshl/2017/RNASeq_Module1_Lecture.pptx
+++ b/LectureFiles/cshl/2017/RNASeq_Module1_Lecture.pptx
@@ -7758,7 +7758,7 @@
                 <a:ea typeface="ＭＳ Ｐゴシック" charset="0"/>
                 <a:hlinkClick r:id="rId2"/>
               </a:rPr>
-              <a:t>https://github.com/griffithlab/rnaseq_tutorial/wiki/Resources/</a:t>
+              <a:t>https://goo.gl/</a:t>
             </a:r>
             <a:r>
               <a:rPr lang="en-US" altLang="ja-JP" sz="1600" dirty="0" smtClean="0">
@@ -7766,7 +7766,14 @@
                 <a:ea typeface="ＭＳ Ｐゴシック" charset="0"/>
                 <a:hlinkClick r:id="rId2"/>
               </a:rPr>
-              <a:t>Agilent_Trace_Examples.pdf</a:t>
+              <a:t>uC5a3C</a:t>
+            </a:r>
+            <a:r>
+              <a:rPr lang="en-US" altLang="ja-JP" sz="1600" dirty="0" smtClean="0">
+                <a:latin typeface="Calibri" charset="0"/>
+                <a:ea typeface="ＭＳ Ｐゴシック" charset="0"/>
+              </a:rPr>
+              <a:t> </a:t>
             </a:r>
             <a:endParaRPr lang="en-US" altLang="ja-JP" sz="1600" dirty="0" smtClean="0">
               <a:latin typeface="Calibri" charset="0"/>
@@ -7782,21 +7789,21 @@
               <a:t>‘</a:t>
             </a:r>
             <a:r>
-              <a:rPr lang="en-US" altLang="ja-JP" sz="2400" dirty="0">
+              <a:rPr lang="en-US" altLang="ja-JP" sz="2400" dirty="0" smtClean="0">
                 <a:latin typeface="Calibri" charset="0"/>
                 <a:ea typeface="ＭＳ Ｐゴシック" charset="0"/>
               </a:rPr>
               <a:t>RIN</a:t>
             </a:r>
             <a:r>
-              <a:rPr lang="ja-JP" altLang="en-US" sz="2400" dirty="0">
+              <a:rPr lang="ja-JP" altLang="en-US" sz="2400" dirty="0" smtClean="0">
                 <a:latin typeface="Calibri" charset="0"/>
                 <a:ea typeface="ＭＳ Ｐゴシック" charset="0"/>
               </a:rPr>
               <a:t>’</a:t>
             </a:r>
             <a:r>
-              <a:rPr lang="en-US" altLang="ja-JP" sz="2400" dirty="0">
+              <a:rPr lang="en-US" altLang="ja-JP" sz="2400" dirty="0" smtClean="0">
                 <a:latin typeface="Calibri" charset="0"/>
                 <a:ea typeface="ＭＳ Ｐゴシック" charset="0"/>
               </a:rPr>
@@ -7806,11 +7813,18 @@
           <a:p>
             <a:pPr lvl="1"/>
             <a:r>
+              <a:rPr lang="en-US" sz="2000" dirty="0" smtClean="0">
+                <a:latin typeface="Calibri" charset="0"/>
+                <a:ea typeface="ＭＳ Ｐゴシック" charset="0"/>
+              </a:rPr>
+              <a:t>0 </a:t>
+            </a:r>
+            <a:r>
               <a:rPr lang="en-US" sz="2000" dirty="0">
                 <a:latin typeface="Calibri" charset="0"/>
                 <a:ea typeface="ＭＳ Ｐゴシック" charset="0"/>
               </a:rPr>
-              <a:t>0 (bad) to 10 (good)</a:t>
+              <a:t>(bad) to 10 (good)</a:t>
             </a:r>
           </a:p>
           <a:p>

--- a/LectureFiles/cshl/2017/RNASeq_Module1_Lecture.pptx
+++ b/LectureFiles/cshl/2017/RNASeq_Module1_Lecture.pptx
@@ -7753,7 +7753,7 @@
           <a:lstStyle/>
           <a:p>
             <a:r>
-              <a:rPr lang="en-US" altLang="ja-JP" sz="1600" dirty="0">
+              <a:rPr lang="en-US" altLang="ja-JP" sz="1800" dirty="0">
                 <a:latin typeface="Calibri" charset="0"/>
                 <a:ea typeface="ＭＳ Ｐゴシック" charset="0"/>
                 <a:hlinkClick r:id="rId2"/>
@@ -7761,7 +7761,7 @@
               <a:t>https://goo.gl/</a:t>
             </a:r>
             <a:r>
-              <a:rPr lang="en-US" altLang="ja-JP" sz="1600" dirty="0" smtClean="0">
+              <a:rPr lang="en-US" altLang="ja-JP" sz="1800" dirty="0" smtClean="0">
                 <a:latin typeface="Calibri" charset="0"/>
                 <a:ea typeface="ＭＳ Ｐゴシック" charset="0"/>
                 <a:hlinkClick r:id="rId2"/>
@@ -7769,13 +7769,13 @@
               <a:t>uC5a3C</a:t>
             </a:r>
             <a:r>
-              <a:rPr lang="en-US" altLang="ja-JP" sz="1600" dirty="0" smtClean="0">
+              <a:rPr lang="en-US" altLang="ja-JP" sz="1800" dirty="0" smtClean="0">
                 <a:latin typeface="Calibri" charset="0"/>
                 <a:ea typeface="ＭＳ Ｐゴシック" charset="0"/>
               </a:rPr>
               <a:t> </a:t>
             </a:r>
-            <a:endParaRPr lang="en-US" altLang="ja-JP" sz="1600" dirty="0" smtClean="0">
+            <a:endParaRPr lang="en-US" altLang="ja-JP" sz="1800" dirty="0" smtClean="0">
               <a:latin typeface="Calibri" charset="0"/>
               <a:ea typeface="ＭＳ Ｐゴシック" charset="0"/>
             </a:endParaRPr>
@@ -8410,10 +8410,10 @@
                 <a:ea typeface="ＭＳ Ｐゴシック" charset="0"/>
                 <a:hlinkClick r:id="rId2"/>
               </a:rPr>
-              <a:t>https://github.com/griffithlab/rnaseq_tutorial/wiki/Resources</a:t>
-            </a:r>
-            <a:r>
-              <a:rPr lang="en-US" sz="1500" dirty="0" smtClean="0">
+              <a:t>https://goo.gl</a:t>
+            </a:r>
+            <a:r>
+              <a:rPr lang="en-US" sz="1500">
                 <a:latin typeface="Calibri" charset="0"/>
                 <a:ea typeface="ＭＳ Ｐゴシック" charset="0"/>
                 <a:hlinkClick r:id="rId2"/>
@@ -8421,20 +8421,19 @@
               <a:t>/</a:t>
             </a:r>
             <a:r>
-              <a:rPr lang="en-US" sz="1500" dirty="0">
+              <a:rPr lang="en-US" sz="1500" smtClean="0">
                 <a:latin typeface="Calibri" charset="0"/>
                 <a:ea typeface="ＭＳ Ｐゴシック" charset="0"/>
                 <a:hlinkClick r:id="rId2"/>
               </a:rPr>
-              <a:t>ENCODE_RNAseq_standards_v1.0.</a:t>
-            </a:r>
-            <a:r>
-              <a:rPr lang="en-US" sz="1500" dirty="0" smtClean="0">
-                <a:latin typeface="Calibri" charset="0"/>
-                <a:ea typeface="ＭＳ Ｐゴシック" charset="0"/>
-                <a:hlinkClick r:id="rId2"/>
-              </a:rPr>
-              <a:t>pdf</a:t>
+              <a:t>6LePBW</a:t>
+            </a:r>
+            <a:r>
+              <a:rPr lang="en-US" sz="1500" smtClean="0">
+                <a:latin typeface="Calibri" charset="0"/>
+                <a:ea typeface="ＭＳ Ｐゴシック" charset="0"/>
+              </a:rPr>
+              <a:t> </a:t>
             </a:r>
             <a:endParaRPr lang="en-US" sz="1500" dirty="0" smtClean="0">
               <a:latin typeface="Calibri" charset="0"/>
